--- a/Flowchart FP.pptx
+++ b/Flowchart FP.pptx
@@ -113,6 +113,11 @@
       </a:defRPr>
     </a:lvl9pPr>
   </p:defaultTextStyle>
+  <p:extLst>
+    <p:ext uri="{EFAFB233-063F-42B5-8137-9DF3F51BA10A}">
+      <p15:sldGuideLst xmlns:p15="http://schemas.microsoft.com/office/powerpoint/2012/main"/>
+    </p:ext>
+  </p:extLst>
 </p:presentation>
 </file>
 
@@ -6941,7 +6946,7 @@
         </p:nvCxnSpPr>
         <p:spPr>
           <a:xfrm flipH="1">
-            <a:off x="5159486" y="5346453"/>
+            <a:off x="3711686" y="5239442"/>
             <a:ext cx="2922683" cy="67571"/>
           </a:xfrm>
           <a:prstGeom prst="straightConnector1">
@@ -6987,7 +6992,7 @@
         </p:nvSpPr>
         <p:spPr>
           <a:xfrm>
-            <a:off x="7454508" y="1394478"/>
+            <a:off x="6972300" y="1523998"/>
             <a:ext cx="4419600" cy="511175"/>
           </a:xfrm>
           <a:effectLst>
@@ -7069,7 +7074,7 @@
         </p:nvGrpSpPr>
         <p:grpSpPr>
           <a:xfrm>
-            <a:off x="6917535" y="3034487"/>
+            <a:off x="5469735" y="2927476"/>
             <a:ext cx="1273174" cy="1273174"/>
             <a:chOff x="3390900" y="2362200"/>
             <a:chExt cx="1905000" cy="1905000"/>
@@ -7270,7 +7275,7 @@
         </p:nvGrpSpPr>
         <p:grpSpPr>
           <a:xfrm>
-            <a:off x="8082169" y="4777437"/>
+            <a:off x="6634369" y="4670426"/>
             <a:ext cx="1138031" cy="1138031"/>
             <a:chOff x="9434101" y="2363378"/>
             <a:chExt cx="1273174" cy="1273174"/>
@@ -7472,7 +7477,7 @@
         </p:nvGrpSpPr>
         <p:grpSpPr>
           <a:xfrm>
-            <a:off x="6117231" y="4882446"/>
+            <a:off x="4669431" y="4775435"/>
             <a:ext cx="1151025" cy="1138031"/>
             <a:chOff x="3390900" y="2362200"/>
             <a:chExt cx="1926750" cy="1905000"/>
@@ -7674,7 +7679,7 @@
         </p:nvSpPr>
         <p:spPr>
           <a:xfrm rot="14265586">
-            <a:off x="7707882" y="4376286"/>
+            <a:off x="6260082" y="4269275"/>
             <a:ext cx="864611" cy="325073"/>
           </a:xfrm>
           <a:prstGeom prst="rightArrow">
@@ -7723,7 +7728,7 @@
         </p:nvGrpSpPr>
         <p:grpSpPr>
           <a:xfrm>
-            <a:off x="3161509" y="3034487"/>
+            <a:off x="1713709" y="2927476"/>
             <a:ext cx="1273174" cy="1273174"/>
             <a:chOff x="3390900" y="2362200"/>
             <a:chExt cx="1905000" cy="1905000"/>
@@ -7916,7 +7921,7 @@
         </p:nvGrpSpPr>
         <p:grpSpPr>
           <a:xfrm>
-            <a:off x="3923682" y="4777437"/>
+            <a:off x="2475882" y="4670426"/>
             <a:ext cx="1273174" cy="1273174"/>
             <a:chOff x="3390900" y="2362200"/>
             <a:chExt cx="1905000" cy="1905000"/>
@@ -8109,7 +8114,7 @@
         </p:nvGrpSpPr>
         <p:grpSpPr>
           <a:xfrm>
-            <a:off x="5118739" y="3000475"/>
+            <a:off x="3670939" y="2893464"/>
             <a:ext cx="1273174" cy="1273174"/>
             <a:chOff x="3390900" y="2362200"/>
             <a:chExt cx="1905000" cy="1905000"/>
@@ -8304,7 +8309,7 @@
         </p:nvGrpSpPr>
         <p:grpSpPr>
           <a:xfrm>
-            <a:off x="5001422" y="1276591"/>
+            <a:off x="3553622" y="1169580"/>
             <a:ext cx="1273174" cy="1273174"/>
             <a:chOff x="3390900" y="2362200"/>
             <a:chExt cx="1905000" cy="1905000"/>
@@ -8494,7 +8499,7 @@
         </p:nvSpPr>
         <p:spPr>
           <a:xfrm rot="17638405">
-            <a:off x="6679516" y="4444735"/>
+            <a:off x="5231716" y="4337724"/>
             <a:ext cx="828465" cy="325073"/>
           </a:xfrm>
           <a:prstGeom prst="rightArrow">
@@ -8529,145 +8534,6 @@
           </a:p>
         </p:txBody>
       </p:sp>
-      <p:grpSp>
-        <p:nvGrpSpPr>
-          <p:cNvPr id="104" name="Group 103">
-            <a:extLst>
-              <a:ext uri="{FF2B5EF4-FFF2-40B4-BE49-F238E27FC236}">
-                <a16:creationId xmlns:a16="http://schemas.microsoft.com/office/drawing/2014/main" id="{335DC77B-99F6-4B69-8558-5B1280CD0CFE}"/>
-              </a:ext>
-            </a:extLst>
-          </p:cNvPr>
-          <p:cNvGrpSpPr/>
-          <p:nvPr/>
-        </p:nvGrpSpPr>
-        <p:grpSpPr>
-          <a:xfrm>
-            <a:off x="1622426" y="3323010"/>
-            <a:ext cx="1273174" cy="715590"/>
-            <a:chOff x="1524000" y="3895938"/>
-            <a:chExt cx="1273174" cy="715590"/>
-          </a:xfrm>
-        </p:grpSpPr>
-        <p:sp>
-          <p:nvSpPr>
-            <p:cNvPr id="70" name="Oval 69">
-              <a:extLst>
-                <a:ext uri="{FF2B5EF4-FFF2-40B4-BE49-F238E27FC236}">
-                  <a16:creationId xmlns:a16="http://schemas.microsoft.com/office/drawing/2014/main" id="{8F9A0051-8CC5-4F54-849E-386F28A1658E}"/>
-                </a:ext>
-              </a:extLst>
-            </p:cNvPr>
-            <p:cNvSpPr/>
-            <p:nvPr/>
-          </p:nvSpPr>
-          <p:spPr>
-            <a:xfrm>
-              <a:off x="1524000" y="3895938"/>
-              <a:ext cx="1273174" cy="715590"/>
-            </a:xfrm>
-            <a:prstGeom prst="ellipse">
-              <a:avLst/>
-            </a:prstGeom>
-            <a:solidFill>
-              <a:schemeClr val="accent3">
-                <a:lumMod val="75000"/>
-              </a:schemeClr>
-            </a:solidFill>
-            <a:ln>
-              <a:noFill/>
-            </a:ln>
-          </p:spPr>
-          <p:style>
-            <a:lnRef idx="2">
-              <a:schemeClr val="accent1">
-                <a:shade val="50000"/>
-              </a:schemeClr>
-            </a:lnRef>
-            <a:fillRef idx="1">
-              <a:schemeClr val="accent1"/>
-            </a:fillRef>
-            <a:effectRef idx="0">
-              <a:schemeClr val="accent1"/>
-            </a:effectRef>
-            <a:fontRef idx="minor">
-              <a:schemeClr val="lt1"/>
-            </a:fontRef>
-          </p:style>
-          <p:txBody>
-            <a:bodyPr rtlCol="0" anchor="ctr"/>
-            <a:lstStyle/>
-            <a:p>
-              <a:pPr algn="ctr"/>
-              <a:endParaRPr lang="en-US"/>
-            </a:p>
-          </p:txBody>
-        </p:sp>
-        <p:sp>
-          <p:nvSpPr>
-            <p:cNvPr id="71" name="Oval 70">
-              <a:extLst>
-                <a:ext uri="{FF2B5EF4-FFF2-40B4-BE49-F238E27FC236}">
-                  <a16:creationId xmlns:a16="http://schemas.microsoft.com/office/drawing/2014/main" id="{697B99E7-894F-43F9-A489-5F8682A54886}"/>
-                </a:ext>
-              </a:extLst>
-            </p:cNvPr>
-            <p:cNvSpPr/>
-            <p:nvPr/>
-          </p:nvSpPr>
-          <p:spPr>
-            <a:xfrm>
-              <a:off x="1629068" y="3951340"/>
-              <a:ext cx="1076032" cy="604786"/>
-            </a:xfrm>
-            <a:prstGeom prst="ellipse">
-              <a:avLst/>
-            </a:prstGeom>
-            <a:solidFill>
-              <a:schemeClr val="tx2">
-                <a:lumMod val="40000"/>
-                <a:lumOff val="60000"/>
-              </a:schemeClr>
-            </a:solidFill>
-            <a:ln>
-              <a:noFill/>
-            </a:ln>
-          </p:spPr>
-          <p:style>
-            <a:lnRef idx="2">
-              <a:schemeClr val="accent1">
-                <a:shade val="50000"/>
-              </a:schemeClr>
-            </a:lnRef>
-            <a:fillRef idx="1">
-              <a:schemeClr val="accent1"/>
-            </a:fillRef>
-            <a:effectRef idx="0">
-              <a:schemeClr val="accent1"/>
-            </a:effectRef>
-            <a:fontRef idx="minor">
-              <a:schemeClr val="lt1"/>
-            </a:fontRef>
-          </p:style>
-          <p:txBody>
-            <a:bodyPr rtlCol="0" anchor="ctr"/>
-            <a:lstStyle/>
-            <a:p>
-              <a:pPr algn="ctr"/>
-              <a:r>
-                <a:rPr lang="en-US" b="1" dirty="0">
-                  <a:solidFill>
-                    <a:schemeClr val="bg1"/>
-                  </a:solidFill>
-                  <a:latin typeface="Consolas" panose="020B0609020204030204" pitchFamily="49" charset="0"/>
-                </a:rPr>
-                <a:t>Node</a:t>
-              </a:r>
-              <a:endParaRPr lang="en-US" dirty="0"/>
-            </a:p>
-          </p:txBody>
-        </p:sp>
-      </p:grpSp>
       <p:cxnSp>
         <p:nvCxnSpPr>
           <p:cNvPr id="73" name="Straight Arrow Connector 72">
@@ -8678,6 +8544,7 @@
             </a:extLst>
           </p:cNvPr>
           <p:cNvCxnSpPr>
+            <a:cxnSpLocks/>
             <a:stCxn id="67" idx="3"/>
             <a:endCxn id="51" idx="7"/>
           </p:cNvCxnSpPr>
@@ -8685,7 +8552,7 @@
         </p:nvCxnSpPr>
         <p:spPr>
           <a:xfrm flipH="1">
-            <a:off x="4248231" y="2363313"/>
+            <a:off x="2800431" y="2256302"/>
             <a:ext cx="939643" cy="857626"/>
           </a:xfrm>
           <a:prstGeom prst="straightConnector1">
@@ -8723,6 +8590,7 @@
             </a:extLst>
           </p:cNvPr>
           <p:cNvCxnSpPr>
+            <a:cxnSpLocks/>
             <a:stCxn id="67" idx="5"/>
             <a:endCxn id="7" idx="1"/>
           </p:cNvCxnSpPr>
@@ -8730,7 +8598,7 @@
         </p:nvCxnSpPr>
         <p:spPr>
           <a:xfrm>
-            <a:off x="6088144" y="2363313"/>
+            <a:off x="4640344" y="2256302"/>
             <a:ext cx="1015843" cy="857626"/>
           </a:xfrm>
           <a:prstGeom prst="straightConnector1">
@@ -8775,7 +8643,7 @@
         </p:nvCxnSpPr>
         <p:spPr>
           <a:xfrm flipH="1" flipV="1">
-            <a:off x="5196856" y="5414024"/>
+            <a:off x="3749056" y="5307013"/>
             <a:ext cx="950396" cy="83489"/>
           </a:xfrm>
           <a:prstGeom prst="straightConnector1">
@@ -8819,7 +8687,7 @@
         </p:nvCxnSpPr>
         <p:spPr>
           <a:xfrm>
-            <a:off x="4038113" y="4285798"/>
+            <a:off x="2590313" y="4178787"/>
             <a:ext cx="291192" cy="559211"/>
           </a:xfrm>
           <a:prstGeom prst="straightConnector1">
@@ -8863,7 +8731,7 @@
         </p:nvCxnSpPr>
         <p:spPr>
           <a:xfrm flipH="1">
-            <a:off x="4883628" y="4189775"/>
+            <a:off x="3435828" y="4082764"/>
             <a:ext cx="491613" cy="692671"/>
           </a:xfrm>
           <a:prstGeom prst="straightConnector1">
@@ -8874,50 +8742,6 @@
               <a:schemeClr val="bg1"/>
             </a:solidFill>
             <a:tailEnd type="triangle"/>
-          </a:ln>
-        </p:spPr>
-        <p:style>
-          <a:lnRef idx="1">
-            <a:schemeClr val="accent1"/>
-          </a:lnRef>
-          <a:fillRef idx="0">
-            <a:schemeClr val="accent1"/>
-          </a:fillRef>
-          <a:effectRef idx="0">
-            <a:schemeClr val="accent1"/>
-          </a:effectRef>
-          <a:fontRef idx="minor">
-            <a:schemeClr val="tx1"/>
-          </a:fontRef>
-        </p:style>
-      </p:cxnSp>
-      <p:cxnSp>
-        <p:nvCxnSpPr>
-          <p:cNvPr id="106" name="Straight Connector 105">
-            <a:extLst>
-              <a:ext uri="{FF2B5EF4-FFF2-40B4-BE49-F238E27FC236}">
-                <a16:creationId xmlns:a16="http://schemas.microsoft.com/office/drawing/2014/main" id="{25134158-9C43-4781-B750-2F4C4BAE0CC4}"/>
-              </a:ext>
-            </a:extLst>
-          </p:cNvPr>
-          <p:cNvCxnSpPr>
-            <a:stCxn id="70" idx="6"/>
-            <a:endCxn id="51" idx="2"/>
-          </p:cNvCxnSpPr>
-          <p:nvPr/>
-        </p:nvCxnSpPr>
-        <p:spPr>
-          <a:xfrm flipV="1">
-            <a:off x="2895600" y="3671074"/>
-            <a:ext cx="265909" cy="9731"/>
-          </a:xfrm>
-          <a:prstGeom prst="line">
-            <a:avLst/>
-          </a:prstGeom>
-          <a:ln>
-            <a:solidFill>
-              <a:schemeClr val="bg1"/>
-            </a:solidFill>
           </a:ln>
         </p:spPr>
         <p:style>
@@ -21743,7 +21567,7 @@
         </p:nvCxnSpPr>
         <p:spPr>
           <a:xfrm flipH="1">
-            <a:off x="5159486" y="5346453"/>
+            <a:off x="3902977" y="5289062"/>
             <a:ext cx="2922683" cy="67571"/>
           </a:xfrm>
           <a:prstGeom prst="straightConnector1">
@@ -21786,7 +21610,7 @@
         </p:nvSpPr>
         <p:spPr>
           <a:xfrm>
-            <a:off x="7454508" y="1394478"/>
+            <a:off x="6968714" y="1484410"/>
             <a:ext cx="4419600" cy="511175"/>
           </a:xfrm>
         </p:spPr>
@@ -21837,7 +21661,7 @@
         </p:nvGrpSpPr>
         <p:grpSpPr>
           <a:xfrm>
-            <a:off x="6917535" y="3034487"/>
+            <a:off x="5661026" y="2977096"/>
             <a:ext cx="1273174" cy="1273174"/>
             <a:chOff x="3390900" y="2362200"/>
             <a:chExt cx="1905000" cy="1905000"/>
@@ -22038,7 +21862,7 @@
         </p:nvGrpSpPr>
         <p:grpSpPr>
           <a:xfrm>
-            <a:off x="8082169" y="4777437"/>
+            <a:off x="6825660" y="4720046"/>
             <a:ext cx="1138031" cy="1138031"/>
             <a:chOff x="9434101" y="2363378"/>
             <a:chExt cx="1273174" cy="1273174"/>
@@ -22240,7 +22064,7 @@
         </p:nvGrpSpPr>
         <p:grpSpPr>
           <a:xfrm>
-            <a:off x="6117231" y="4882446"/>
+            <a:off x="4860722" y="4825055"/>
             <a:ext cx="1151025" cy="1138031"/>
             <a:chOff x="3390900" y="2362200"/>
             <a:chExt cx="1926750" cy="1905000"/>
@@ -22442,7 +22266,7 @@
         </p:nvSpPr>
         <p:spPr>
           <a:xfrm rot="14265586">
-            <a:off x="7707882" y="4376286"/>
+            <a:off x="6451373" y="4318895"/>
             <a:ext cx="864611" cy="325073"/>
           </a:xfrm>
           <a:prstGeom prst="rightArrow">
@@ -22491,7 +22315,7 @@
         </p:nvGrpSpPr>
         <p:grpSpPr>
           <a:xfrm>
-            <a:off x="3161509" y="3034487"/>
+            <a:off x="1905000" y="2977096"/>
             <a:ext cx="1273174" cy="1273174"/>
             <a:chOff x="3390900" y="2362200"/>
             <a:chExt cx="1905000" cy="1905000"/>
@@ -22684,7 +22508,7 @@
         </p:nvGrpSpPr>
         <p:grpSpPr>
           <a:xfrm>
-            <a:off x="3923682" y="4777437"/>
+            <a:off x="2667173" y="4720046"/>
             <a:ext cx="1273174" cy="1273174"/>
             <a:chOff x="3390900" y="2362200"/>
             <a:chExt cx="1905000" cy="1905000"/>
@@ -22877,7 +22701,7 @@
         </p:nvGrpSpPr>
         <p:grpSpPr>
           <a:xfrm>
-            <a:off x="5108647" y="3015946"/>
+            <a:off x="3852138" y="2958555"/>
             <a:ext cx="1273174" cy="1273174"/>
             <a:chOff x="3390900" y="2362200"/>
             <a:chExt cx="1905000" cy="1905000"/>
@@ -23070,7 +22894,7 @@
         </p:nvGrpSpPr>
         <p:grpSpPr>
           <a:xfrm>
-            <a:off x="5001422" y="1276591"/>
+            <a:off x="3744913" y="1219200"/>
             <a:ext cx="1273174" cy="1273174"/>
             <a:chOff x="3390900" y="2362200"/>
             <a:chExt cx="1905000" cy="1905000"/>
@@ -23260,7 +23084,7 @@
         </p:nvSpPr>
         <p:spPr>
           <a:xfrm rot="17638405">
-            <a:off x="6679516" y="4444735"/>
+            <a:off x="5423007" y="4387344"/>
             <a:ext cx="828465" cy="325073"/>
           </a:xfrm>
           <a:prstGeom prst="rightArrow">
@@ -23295,139 +23119,6 @@
           </a:p>
         </p:txBody>
       </p:sp>
-      <p:grpSp>
-        <p:nvGrpSpPr>
-          <p:cNvPr id="104" name="Group 103">
-            <a:extLst>
-              <a:ext uri="{FF2B5EF4-FFF2-40B4-BE49-F238E27FC236}">
-                <a16:creationId xmlns:a16="http://schemas.microsoft.com/office/drawing/2014/main" id="{335DC77B-99F6-4B69-8558-5B1280CD0CFE}"/>
-              </a:ext>
-            </a:extLst>
-          </p:cNvPr>
-          <p:cNvGrpSpPr/>
-          <p:nvPr/>
-        </p:nvGrpSpPr>
-        <p:grpSpPr>
-          <a:xfrm>
-            <a:off x="1576014" y="3323010"/>
-            <a:ext cx="1273174" cy="715590"/>
-            <a:chOff x="1524000" y="3895938"/>
-            <a:chExt cx="1273174" cy="715590"/>
-          </a:xfrm>
-        </p:grpSpPr>
-        <p:sp>
-          <p:nvSpPr>
-            <p:cNvPr id="70" name="Oval 69">
-              <a:extLst>
-                <a:ext uri="{FF2B5EF4-FFF2-40B4-BE49-F238E27FC236}">
-                  <a16:creationId xmlns:a16="http://schemas.microsoft.com/office/drawing/2014/main" id="{8F9A0051-8CC5-4F54-849E-386F28A1658E}"/>
-                </a:ext>
-              </a:extLst>
-            </p:cNvPr>
-            <p:cNvSpPr/>
-            <p:nvPr/>
-          </p:nvSpPr>
-          <p:spPr>
-            <a:xfrm>
-              <a:off x="1524000" y="3895938"/>
-              <a:ext cx="1273174" cy="715590"/>
-            </a:xfrm>
-            <a:prstGeom prst="ellipse">
-              <a:avLst/>
-            </a:prstGeom>
-            <a:solidFill>
-              <a:schemeClr val="accent3">
-                <a:lumMod val="75000"/>
-              </a:schemeClr>
-            </a:solidFill>
-          </p:spPr>
-          <p:style>
-            <a:lnRef idx="2">
-              <a:schemeClr val="accent1">
-                <a:shade val="50000"/>
-              </a:schemeClr>
-            </a:lnRef>
-            <a:fillRef idx="1">
-              <a:schemeClr val="accent1"/>
-            </a:fillRef>
-            <a:effectRef idx="0">
-              <a:schemeClr val="accent1"/>
-            </a:effectRef>
-            <a:fontRef idx="minor">
-              <a:schemeClr val="lt1"/>
-            </a:fontRef>
-          </p:style>
-          <p:txBody>
-            <a:bodyPr rtlCol="0" anchor="ctr"/>
-            <a:lstStyle/>
-            <a:p>
-              <a:pPr algn="ctr"/>
-              <a:endParaRPr lang="en-US"/>
-            </a:p>
-          </p:txBody>
-        </p:sp>
-        <p:sp>
-          <p:nvSpPr>
-            <p:cNvPr id="71" name="Oval 70">
-              <a:extLst>
-                <a:ext uri="{FF2B5EF4-FFF2-40B4-BE49-F238E27FC236}">
-                  <a16:creationId xmlns:a16="http://schemas.microsoft.com/office/drawing/2014/main" id="{697B99E7-894F-43F9-A489-5F8682A54886}"/>
-                </a:ext>
-              </a:extLst>
-            </p:cNvPr>
-            <p:cNvSpPr/>
-            <p:nvPr/>
-          </p:nvSpPr>
-          <p:spPr>
-            <a:xfrm>
-              <a:off x="1629068" y="3951340"/>
-              <a:ext cx="1076032" cy="604786"/>
-            </a:xfrm>
-            <a:prstGeom prst="ellipse">
-              <a:avLst/>
-            </a:prstGeom>
-            <a:solidFill>
-              <a:schemeClr val="tx2">
-                <a:lumMod val="40000"/>
-                <a:lumOff val="60000"/>
-              </a:schemeClr>
-            </a:solidFill>
-          </p:spPr>
-          <p:style>
-            <a:lnRef idx="2">
-              <a:schemeClr val="accent1">
-                <a:shade val="50000"/>
-              </a:schemeClr>
-            </a:lnRef>
-            <a:fillRef idx="1">
-              <a:schemeClr val="accent1"/>
-            </a:fillRef>
-            <a:effectRef idx="0">
-              <a:schemeClr val="accent1"/>
-            </a:effectRef>
-            <a:fontRef idx="minor">
-              <a:schemeClr val="lt1"/>
-            </a:fontRef>
-          </p:style>
-          <p:txBody>
-            <a:bodyPr rtlCol="0" anchor="ctr"/>
-            <a:lstStyle/>
-            <a:p>
-              <a:pPr algn="ctr"/>
-              <a:r>
-                <a:rPr lang="en-US" b="1" dirty="0">
-                  <a:solidFill>
-                    <a:schemeClr val="bg1"/>
-                  </a:solidFill>
-                  <a:latin typeface="Consolas" panose="020B0609020204030204" pitchFamily="49" charset="0"/>
-                </a:rPr>
-                <a:t>Node</a:t>
-              </a:r>
-              <a:endParaRPr lang="en-US" dirty="0"/>
-            </a:p>
-          </p:txBody>
-        </p:sp>
-      </p:grpSp>
       <p:cxnSp>
         <p:nvCxnSpPr>
           <p:cNvPr id="73" name="Straight Arrow Connector 72">
@@ -23445,7 +23136,7 @@
         </p:nvCxnSpPr>
         <p:spPr>
           <a:xfrm flipH="1">
-            <a:off x="4248231" y="2363313"/>
+            <a:off x="2991722" y="2305922"/>
             <a:ext cx="939643" cy="857626"/>
           </a:xfrm>
           <a:prstGeom prst="straightConnector1">
@@ -23487,7 +23178,7 @@
         </p:nvCxnSpPr>
         <p:spPr>
           <a:xfrm>
-            <a:off x="6088144" y="2363313"/>
+            <a:off x="4831635" y="2305922"/>
             <a:ext cx="1015843" cy="857626"/>
           </a:xfrm>
           <a:prstGeom prst="straightConnector1">
@@ -23529,7 +23220,7 @@
         </p:nvCxnSpPr>
         <p:spPr>
           <a:xfrm flipH="1" flipV="1">
-            <a:off x="5196856" y="5414024"/>
+            <a:off x="3940347" y="5356633"/>
             <a:ext cx="950396" cy="83489"/>
           </a:xfrm>
           <a:prstGeom prst="straightConnector1">
@@ -23570,7 +23261,7 @@
         </p:nvCxnSpPr>
         <p:spPr>
           <a:xfrm>
-            <a:off x="4038113" y="4285798"/>
+            <a:off x="2781604" y="4228407"/>
             <a:ext cx="291192" cy="559211"/>
           </a:xfrm>
           <a:prstGeom prst="straightConnector1">
@@ -23611,7 +23302,7 @@
         </p:nvCxnSpPr>
         <p:spPr>
           <a:xfrm flipH="1">
-            <a:off x="4883628" y="4189775"/>
+            <a:off x="3627119" y="4132384"/>
             <a:ext cx="491613" cy="692671"/>
           </a:xfrm>
           <a:prstGeom prst="straightConnector1">
@@ -23620,45 +23311,6 @@
           <a:ln>
             <a:tailEnd type="triangle"/>
           </a:ln>
-        </p:spPr>
-        <p:style>
-          <a:lnRef idx="1">
-            <a:schemeClr val="accent1"/>
-          </a:lnRef>
-          <a:fillRef idx="0">
-            <a:schemeClr val="accent1"/>
-          </a:fillRef>
-          <a:effectRef idx="0">
-            <a:schemeClr val="accent1"/>
-          </a:effectRef>
-          <a:fontRef idx="minor">
-            <a:schemeClr val="tx1"/>
-          </a:fontRef>
-        </p:style>
-      </p:cxnSp>
-      <p:cxnSp>
-        <p:nvCxnSpPr>
-          <p:cNvPr id="106" name="Straight Connector 105">
-            <a:extLst>
-              <a:ext uri="{FF2B5EF4-FFF2-40B4-BE49-F238E27FC236}">
-                <a16:creationId xmlns:a16="http://schemas.microsoft.com/office/drawing/2014/main" id="{25134158-9C43-4781-B750-2F4C4BAE0CC4}"/>
-              </a:ext>
-            </a:extLst>
-          </p:cNvPr>
-          <p:cNvCxnSpPr>
-            <a:stCxn id="70" idx="6"/>
-            <a:endCxn id="51" idx="2"/>
-          </p:cNvCxnSpPr>
-          <p:nvPr/>
-        </p:nvCxnSpPr>
-        <p:spPr>
-          <a:xfrm flipV="1">
-            <a:off x="2849188" y="3671074"/>
-            <a:ext cx="312321" cy="9731"/>
-          </a:xfrm>
-          <a:prstGeom prst="line">
-            <a:avLst/>
-          </a:prstGeom>
         </p:spPr>
         <p:style>
           <a:lnRef idx="1">
